--- a/1-PPT/L1 Architecture.pptx
+++ b/1-PPT/L1 Architecture.pptx
@@ -5,24 +5,26 @@
     <p:sldMasterId id="2147483648" r:id="rId1"/>
   </p:sldMasterIdLst>
   <p:notesMasterIdLst>
-    <p:notesMasterId r:id="rId17"/>
+    <p:notesMasterId r:id="rId19"/>
   </p:notesMasterIdLst>
   <p:sldIdLst>
     <p:sldId id="268" r:id="rId2"/>
-    <p:sldId id="262" r:id="rId3"/>
-    <p:sldId id="261" r:id="rId4"/>
-    <p:sldId id="282" r:id="rId5"/>
-    <p:sldId id="264" r:id="rId6"/>
-    <p:sldId id="258" r:id="rId7"/>
-    <p:sldId id="266" r:id="rId8"/>
-    <p:sldId id="265" r:id="rId9"/>
-    <p:sldId id="256" r:id="rId10"/>
-    <p:sldId id="257" r:id="rId11"/>
-    <p:sldId id="259" r:id="rId12"/>
-    <p:sldId id="267" r:id="rId13"/>
-    <p:sldId id="272" r:id="rId14"/>
-    <p:sldId id="273" r:id="rId15"/>
-    <p:sldId id="269" r:id="rId16"/>
+    <p:sldId id="283" r:id="rId3"/>
+    <p:sldId id="262" r:id="rId4"/>
+    <p:sldId id="261" r:id="rId5"/>
+    <p:sldId id="282" r:id="rId6"/>
+    <p:sldId id="264" r:id="rId7"/>
+    <p:sldId id="258" r:id="rId8"/>
+    <p:sldId id="266" r:id="rId9"/>
+    <p:sldId id="265" r:id="rId10"/>
+    <p:sldId id="256" r:id="rId11"/>
+    <p:sldId id="257" r:id="rId12"/>
+    <p:sldId id="259" r:id="rId13"/>
+    <p:sldId id="267" r:id="rId14"/>
+    <p:sldId id="272" r:id="rId15"/>
+    <p:sldId id="273" r:id="rId16"/>
+    <p:sldId id="269" r:id="rId17"/>
+    <p:sldId id="284" r:id="rId18"/>
   </p:sldIdLst>
   <p:sldSz cx="9144000" cy="6858000" type="screen4x3"/>
   <p:notesSz cx="6858000" cy="9144000"/>
@@ -4112,7 +4114,7 @@
             <a:fld id="{EA38CB6D-63C9-464B-889E-D8FE438905A2}" type="datetimeFigureOut">
               <a:rPr lang="ar-EG" smtClean="0"/>
               <a:pPr/>
-              <a:t>20/01/1441</a:t>
+              <a:t>07/02/1441</a:t>
             </a:fld>
             <a:endParaRPr lang="ar-EG"/>
           </a:p>
@@ -4444,7 +4446,7 @@
             <a:fld id="{4EB77159-C5E8-4EA6-9D45-48C290F3BD19}" type="slidenum">
               <a:rPr lang="ar-EG" smtClean="0"/>
               <a:pPr/>
-              <a:t>6</a:t>
+              <a:t>7</a:t>
             </a:fld>
             <a:endParaRPr lang="ar-EG"/>
           </a:p>
@@ -4453,7 +4455,7 @@
     </p:spTree>
     <p:extLst>
       <p:ext uri="{BB962C8B-B14F-4D97-AF65-F5344CB8AC3E}">
-        <p14:creationId xmlns:p14="http://schemas.microsoft.com/office/powerpoint/2010/main" xmlns="" val="1049354396"/>
+        <p14:creationId xmlns="" xmlns:p14="http://schemas.microsoft.com/office/powerpoint/2010/main" val="1049354396"/>
       </p:ext>
     </p:extLst>
   </p:cSld>
@@ -4529,7 +4531,7 @@
             <a:fld id="{4EB77159-C5E8-4EA6-9D45-48C290F3BD19}" type="slidenum">
               <a:rPr lang="ar-EG" smtClean="0"/>
               <a:pPr/>
-              <a:t>7</a:t>
+              <a:t>8</a:t>
             </a:fld>
             <a:endParaRPr lang="ar-EG"/>
           </a:p>
@@ -4538,7 +4540,7 @@
     </p:spTree>
     <p:extLst>
       <p:ext uri="{BB962C8B-B14F-4D97-AF65-F5344CB8AC3E}">
-        <p14:creationId xmlns:p14="http://schemas.microsoft.com/office/powerpoint/2010/main" xmlns="" val="1049354396"/>
+        <p14:creationId xmlns="" xmlns:p14="http://schemas.microsoft.com/office/powerpoint/2010/main" val="1049354396"/>
       </p:ext>
     </p:extLst>
   </p:cSld>
@@ -4580,14 +4582,14 @@
           <a:ln/>
           <a:extLst>
             <a:ext uri="{909E8E84-426E-40DD-AFC4-6F175D3DCCD1}">
-              <a14:hiddenFill xmlns:a14="http://schemas.microsoft.com/office/drawing/2010/main" xmlns="">
+              <a14:hiddenFill xmlns="" xmlns:a14="http://schemas.microsoft.com/office/drawing/2010/main">
                 <a:solidFill>
                   <a:srgbClr val="FFFFFF"/>
                 </a:solidFill>
               </a14:hiddenFill>
             </a:ext>
             <a:ext uri="{91240B29-F687-4F45-9708-019B960494DF}">
-              <a14:hiddenLine xmlns:a14="http://schemas.microsoft.com/office/drawing/2010/main" xmlns="" w="9525">
+              <a14:hiddenLine xmlns="" xmlns:a14="http://schemas.microsoft.com/office/drawing/2010/main" w="9525">
                 <a:solidFill>
                   <a:srgbClr val="000000"/>
                 </a:solidFill>
@@ -4712,7 +4714,7 @@
             <a:fld id="{DFA0E993-B2BE-4A9E-9AED-1F72080EE64A}" type="slidenum">
               <a:rPr lang="en-US"/>
               <a:pPr eaLnBrk="1" hangingPunct="1"/>
-              <a:t>10</a:t>
+              <a:t>11</a:t>
             </a:fld>
             <a:endParaRPr lang="en-US"/>
           </a:p>
@@ -4747,14 +4749,14 @@
           <a:ln/>
           <a:extLst>
             <a:ext uri="{909E8E84-426E-40DD-AFC4-6F175D3DCCD1}">
-              <a14:hiddenFill xmlns:a14="http://schemas.microsoft.com/office/drawing/2010/main" xmlns="">
+              <a14:hiddenFill xmlns="" xmlns:a14="http://schemas.microsoft.com/office/drawing/2010/main">
                 <a:solidFill>
                   <a:srgbClr val="FFFFFF"/>
                 </a:solidFill>
               </a14:hiddenFill>
             </a:ext>
             <a:ext uri="{91240B29-F687-4F45-9708-019B960494DF}">
-              <a14:hiddenLine xmlns:a14="http://schemas.microsoft.com/office/drawing/2010/main" xmlns="" w="9525">
+              <a14:hiddenLine xmlns="" xmlns:a14="http://schemas.microsoft.com/office/drawing/2010/main" w="9525">
                 <a:solidFill>
                   <a:srgbClr val="000000"/>
                 </a:solidFill>
@@ -4779,7 +4781,7 @@
     </p:spTree>
     <p:extLst>
       <p:ext uri="{BB962C8B-B14F-4D97-AF65-F5344CB8AC3E}">
-        <p14:creationId xmlns:p14="http://schemas.microsoft.com/office/powerpoint/2010/main" xmlns="" val="2650278043"/>
+        <p14:creationId xmlns="" xmlns:p14="http://schemas.microsoft.com/office/powerpoint/2010/main" val="2650278043"/>
       </p:ext>
     </p:extLst>
   </p:cSld>
@@ -4971,7 +4973,7 @@
             <a:fld id="{1D8BD707-D9CF-40AE-B4C6-C98DA3205C09}" type="datetimeFigureOut">
               <a:rPr lang="en-US" smtClean="0"/>
               <a:pPr/>
-              <a:t>9/19/2019</a:t>
+              <a:t>10/6/2019</a:t>
             </a:fld>
             <a:endParaRPr lang="en-US"/>
           </a:p>
@@ -5138,7 +5140,7 @@
             <a:fld id="{1D8BD707-D9CF-40AE-B4C6-C98DA3205C09}" type="datetimeFigureOut">
               <a:rPr lang="en-US" smtClean="0"/>
               <a:pPr/>
-              <a:t>9/19/2019</a:t>
+              <a:t>10/6/2019</a:t>
             </a:fld>
             <a:endParaRPr lang="en-US"/>
           </a:p>
@@ -5315,7 +5317,7 @@
             <a:fld id="{1D8BD707-D9CF-40AE-B4C6-C98DA3205C09}" type="datetimeFigureOut">
               <a:rPr lang="en-US" smtClean="0"/>
               <a:pPr/>
-              <a:t>9/19/2019</a:t>
+              <a:t>10/6/2019</a:t>
             </a:fld>
             <a:endParaRPr lang="en-US"/>
           </a:p>
@@ -5482,7 +5484,7 @@
             <a:fld id="{1D8BD707-D9CF-40AE-B4C6-C98DA3205C09}" type="datetimeFigureOut">
               <a:rPr lang="en-US" smtClean="0"/>
               <a:pPr/>
-              <a:t>9/19/2019</a:t>
+              <a:t>10/6/2019</a:t>
             </a:fld>
             <a:endParaRPr lang="en-US"/>
           </a:p>
@@ -5725,7 +5727,7 @@
             <a:fld id="{1D8BD707-D9CF-40AE-B4C6-C98DA3205C09}" type="datetimeFigureOut">
               <a:rPr lang="en-US" smtClean="0"/>
               <a:pPr/>
-              <a:t>9/19/2019</a:t>
+              <a:t>10/6/2019</a:t>
             </a:fld>
             <a:endParaRPr lang="en-US"/>
           </a:p>
@@ -6010,7 +6012,7 @@
             <a:fld id="{1D8BD707-D9CF-40AE-B4C6-C98DA3205C09}" type="datetimeFigureOut">
               <a:rPr lang="en-US" smtClean="0"/>
               <a:pPr/>
-              <a:t>9/19/2019</a:t>
+              <a:t>10/6/2019</a:t>
             </a:fld>
             <a:endParaRPr lang="en-US"/>
           </a:p>
@@ -6429,7 +6431,7 @@
             <a:fld id="{1D8BD707-D9CF-40AE-B4C6-C98DA3205C09}" type="datetimeFigureOut">
               <a:rPr lang="en-US" smtClean="0"/>
               <a:pPr/>
-              <a:t>9/19/2019</a:t>
+              <a:t>10/6/2019</a:t>
             </a:fld>
             <a:endParaRPr lang="en-US"/>
           </a:p>
@@ -6544,7 +6546,7 @@
             <a:fld id="{1D8BD707-D9CF-40AE-B4C6-C98DA3205C09}" type="datetimeFigureOut">
               <a:rPr lang="en-US" smtClean="0"/>
               <a:pPr/>
-              <a:t>9/19/2019</a:t>
+              <a:t>10/6/2019</a:t>
             </a:fld>
             <a:endParaRPr lang="en-US"/>
           </a:p>
@@ -6636,7 +6638,7 @@
             <a:fld id="{1D8BD707-D9CF-40AE-B4C6-C98DA3205C09}" type="datetimeFigureOut">
               <a:rPr lang="en-US" smtClean="0"/>
               <a:pPr/>
-              <a:t>9/19/2019</a:t>
+              <a:t>10/6/2019</a:t>
             </a:fld>
             <a:endParaRPr lang="en-US"/>
           </a:p>
@@ -6910,7 +6912,7 @@
             <a:fld id="{1D8BD707-D9CF-40AE-B4C6-C98DA3205C09}" type="datetimeFigureOut">
               <a:rPr lang="en-US" smtClean="0"/>
               <a:pPr/>
-              <a:t>9/19/2019</a:t>
+              <a:t>10/6/2019</a:t>
             </a:fld>
             <a:endParaRPr lang="en-US"/>
           </a:p>
@@ -7160,7 +7162,7 @@
             <a:fld id="{1D8BD707-D9CF-40AE-B4C6-C98DA3205C09}" type="datetimeFigureOut">
               <a:rPr lang="en-US" smtClean="0"/>
               <a:pPr/>
-              <a:t>9/19/2019</a:t>
+              <a:t>10/6/2019</a:t>
             </a:fld>
             <a:endParaRPr lang="en-US"/>
           </a:p>
@@ -7370,7 +7372,7 @@
             <a:fld id="{1D8BD707-D9CF-40AE-B4C6-C98DA3205C09}" type="datetimeFigureOut">
               <a:rPr lang="en-US" smtClean="0"/>
               <a:pPr/>
-              <a:t>9/19/2019</a:t>
+              <a:t>10/6/2019</a:t>
             </a:fld>
             <a:endParaRPr lang="en-US"/>
           </a:p>
@@ -7819,6 +7821,300 @@
       </p:grpSpPr>
       <p:sp>
         <p:nvSpPr>
+          <p:cNvPr id="2" name="Title 1"/>
+          <p:cNvSpPr>
+            <a:spLocks noGrp="1"/>
+          </p:cNvSpPr>
+          <p:nvPr>
+            <p:ph type="title"/>
+          </p:nvPr>
+        </p:nvSpPr>
+        <p:spPr/>
+        <p:txBody>
+          <a:bodyPr>
+            <a:normAutofit fontScale="90000"/>
+          </a:bodyPr>
+          <a:lstStyle/>
+          <a:p>
+            <a:r>
+              <a:rPr lang="en-US" dirty="0"/>
+              <a:t>HTML  </a:t>
+            </a:r>
+            <a:r>
+              <a:rPr lang="en-US" b="1" dirty="0">
+                <a:solidFill>
+                  <a:srgbClr val="FF0000"/>
+                </a:solidFill>
+              </a:rPr>
+              <a:t>H</a:t>
+            </a:r>
+            <a:r>
+              <a:rPr lang="en-US" dirty="0"/>
+              <a:t>yper </a:t>
+            </a:r>
+            <a:r>
+              <a:rPr lang="en-US" b="1" dirty="0">
+                <a:solidFill>
+                  <a:srgbClr val="FF0000"/>
+                </a:solidFill>
+              </a:rPr>
+              <a:t>T</a:t>
+            </a:r>
+            <a:r>
+              <a:rPr lang="en-US" dirty="0"/>
+              <a:t>ext </a:t>
+            </a:r>
+            <a:r>
+              <a:rPr lang="en-US" b="1" dirty="0">
+                <a:solidFill>
+                  <a:srgbClr val="FF0000"/>
+                </a:solidFill>
+              </a:rPr>
+              <a:t>M</a:t>
+            </a:r>
+            <a:r>
+              <a:rPr lang="en-US" dirty="0"/>
+              <a:t>arkup </a:t>
+            </a:r>
+            <a:r>
+              <a:rPr lang="en-US" b="1" dirty="0">
+                <a:solidFill>
+                  <a:srgbClr val="FF0000"/>
+                </a:solidFill>
+              </a:rPr>
+              <a:t>L</a:t>
+            </a:r>
+            <a:r>
+              <a:rPr lang="en-US" dirty="0"/>
+              <a:t>anguage</a:t>
+            </a:r>
+            <a:br>
+              <a:rPr lang="en-US" dirty="0"/>
+            </a:br>
+            <a:endParaRPr lang="ar-EG" dirty="0"/>
+          </a:p>
+        </p:txBody>
+      </p:sp>
+      <p:sp>
+        <p:nvSpPr>
+          <p:cNvPr id="3" name="Content Placeholder 2"/>
+          <p:cNvSpPr>
+            <a:spLocks noGrp="1"/>
+          </p:cNvSpPr>
+          <p:nvPr>
+            <p:ph idx="1"/>
+          </p:nvPr>
+        </p:nvSpPr>
+        <p:spPr/>
+        <p:txBody>
+          <a:bodyPr>
+            <a:normAutofit fontScale="92500" lnSpcReduction="10000"/>
+          </a:bodyPr>
+          <a:lstStyle/>
+          <a:p>
+            <a:r>
+              <a:rPr lang="en-US" b="1" dirty="0">
+                <a:solidFill>
+                  <a:srgbClr val="FF0000"/>
+                </a:solidFill>
+              </a:rPr>
+              <a:t>What is HTML?</a:t>
+            </a:r>
+          </a:p>
+          <a:p>
+            <a:r>
+              <a:rPr lang="en-US" dirty="0"/>
+              <a:t>HTML is a language for describing web pages.</a:t>
+            </a:r>
+          </a:p>
+          <a:p>
+            <a:r>
+              <a:rPr lang="en-US" dirty="0"/>
+              <a:t>HTML stands for </a:t>
+            </a:r>
+            <a:r>
+              <a:rPr lang="en-US" b="1" dirty="0"/>
+              <a:t>H</a:t>
+            </a:r>
+            <a:r>
+              <a:rPr lang="en-US" dirty="0"/>
+              <a:t>yper </a:t>
+            </a:r>
+            <a:r>
+              <a:rPr lang="en-US" b="1" dirty="0"/>
+              <a:t>T</a:t>
+            </a:r>
+            <a:r>
+              <a:rPr lang="en-US" dirty="0"/>
+              <a:t>ext </a:t>
+            </a:r>
+            <a:r>
+              <a:rPr lang="en-US" b="1" dirty="0"/>
+              <a:t>M</a:t>
+            </a:r>
+            <a:r>
+              <a:rPr lang="en-US" dirty="0"/>
+              <a:t>arkup </a:t>
+            </a:r>
+            <a:r>
+              <a:rPr lang="en-US" b="1" dirty="0"/>
+              <a:t>L</a:t>
+            </a:r>
+            <a:r>
+              <a:rPr lang="en-US" dirty="0"/>
+              <a:t>anguage</a:t>
+            </a:r>
+          </a:p>
+          <a:p>
+            <a:r>
+              <a:rPr lang="en-US" dirty="0"/>
+              <a:t>HTML is a </a:t>
+            </a:r>
+            <a:r>
+              <a:rPr lang="en-US" b="1" dirty="0"/>
+              <a:t>markup </a:t>
+            </a:r>
+            <a:r>
+              <a:rPr lang="en-US" dirty="0"/>
+              <a:t>language</a:t>
+            </a:r>
+          </a:p>
+          <a:p>
+            <a:r>
+              <a:rPr lang="en-US" dirty="0"/>
+              <a:t>A markup language is a set of markup</a:t>
+            </a:r>
+            <a:r>
+              <a:rPr lang="en-US" b="1" dirty="0"/>
+              <a:t> tags</a:t>
+            </a:r>
+            <a:endParaRPr lang="en-US" dirty="0"/>
+          </a:p>
+          <a:p>
+            <a:r>
+              <a:rPr lang="en-US" dirty="0"/>
+              <a:t>The tags </a:t>
+            </a:r>
+            <a:r>
+              <a:rPr lang="en-US" b="1" dirty="0"/>
+              <a:t>describe</a:t>
+            </a:r>
+            <a:r>
+              <a:rPr lang="en-US" dirty="0"/>
+              <a:t> document content</a:t>
+            </a:r>
+          </a:p>
+          <a:p>
+            <a:r>
+              <a:rPr lang="en-US" dirty="0"/>
+              <a:t>HTML documents contain</a:t>
+            </a:r>
+            <a:r>
+              <a:rPr lang="en-US" b="1" dirty="0"/>
+              <a:t> </a:t>
+            </a:r>
+            <a:r>
+              <a:rPr lang="en-US" dirty="0"/>
+              <a:t>HTML</a:t>
+            </a:r>
+            <a:r>
+              <a:rPr lang="en-US" b="1" dirty="0"/>
+              <a:t> tags</a:t>
+            </a:r>
+            <a:r>
+              <a:rPr lang="en-US" dirty="0"/>
+              <a:t> and </a:t>
+            </a:r>
+            <a:r>
+              <a:rPr lang="en-US" b="1" dirty="0"/>
+              <a:t>plain</a:t>
+            </a:r>
+            <a:r>
+              <a:rPr lang="en-US" dirty="0"/>
+              <a:t> </a:t>
+            </a:r>
+            <a:r>
+              <a:rPr lang="en-US" b="1" dirty="0"/>
+              <a:t>text</a:t>
+            </a:r>
+            <a:endParaRPr lang="en-US" dirty="0"/>
+          </a:p>
+          <a:p>
+            <a:r>
+              <a:rPr lang="en-US" dirty="0"/>
+              <a:t>HTML documents are also called</a:t>
+            </a:r>
+            <a:r>
+              <a:rPr lang="en-US" b="1" dirty="0"/>
+              <a:t> web pages</a:t>
+            </a:r>
+            <a:endParaRPr lang="en-US" dirty="0"/>
+          </a:p>
+        </p:txBody>
+      </p:sp>
+      <p:sp>
+        <p:nvSpPr>
+          <p:cNvPr id="4" name="Slide Number Placeholder 3"/>
+          <p:cNvSpPr>
+            <a:spLocks noGrp="1"/>
+          </p:cNvSpPr>
+          <p:nvPr>
+            <p:ph type="sldNum" sz="quarter" idx="12"/>
+          </p:nvPr>
+        </p:nvSpPr>
+        <p:spPr/>
+        <p:txBody>
+          <a:bodyPr/>
+          <a:lstStyle/>
+          <a:p>
+            <a:fld id="{B6F15528-21DE-4FAA-801E-634DDDAF4B2B}" type="slidenum">
+              <a:rPr lang="en-US" smtClean="0"/>
+              <a:pPr/>
+              <a:t>10</a:t>
+            </a:fld>
+            <a:endParaRPr lang="en-US"/>
+          </a:p>
+        </p:txBody>
+      </p:sp>
+    </p:spTree>
+    <p:extLst>
+      <p:ext uri="{BB962C8B-B14F-4D97-AF65-F5344CB8AC3E}">
+        <p14:creationId xmlns="" xmlns:p14="http://schemas.microsoft.com/office/powerpoint/2010/main" val="2323770195"/>
+      </p:ext>
+    </p:extLst>
+  </p:cSld>
+  <p:clrMapOvr>
+    <a:masterClrMapping/>
+  </p:clrMapOvr>
+  <p:timing>
+    <p:tnLst>
+      <p:par>
+        <p:cTn id="1" dur="indefinite" restart="never" nodeType="tmRoot"/>
+      </p:par>
+    </p:tnLst>
+  </p:timing>
+</p:sld>
+</file>
+
+<file path=ppt/slides/slide11.xml><?xml version="1.0" encoding="utf-8"?>
+<p:sld xmlns:a="http://schemas.openxmlformats.org/drawingml/2006/main" xmlns:r="http://schemas.openxmlformats.org/officeDocument/2006/relationships" xmlns:p="http://schemas.openxmlformats.org/presentationml/2006/main">
+  <p:cSld>
+    <p:spTree>
+      <p:nvGrpSpPr>
+        <p:cNvPr id="1" name=""/>
+        <p:cNvGrpSpPr/>
+        <p:nvPr/>
+      </p:nvGrpSpPr>
+      <p:grpSpPr>
+        <a:xfrm>
+          <a:off x="0" y="0"/>
+          <a:ext cx="0" cy="0"/>
+          <a:chOff x="0" y="0"/>
+          <a:chExt cx="0" cy="0"/>
+        </a:xfrm>
+      </p:grpSpPr>
+      <p:sp>
+        <p:nvSpPr>
           <p:cNvPr id="9219" name="Slide Number Placeholder 5"/>
           <p:cNvSpPr>
             <a:spLocks noGrp="1"/>
@@ -7832,14 +8128,14 @@
           <a:ln/>
           <a:extLst>
             <a:ext uri="{909E8E84-426E-40DD-AFC4-6F175D3DCCD1}">
-              <a14:hiddenFill xmlns:a14="http://schemas.microsoft.com/office/drawing/2010/main" xmlns="">
+              <a14:hiddenFill xmlns="" xmlns:a14="http://schemas.microsoft.com/office/drawing/2010/main">
                 <a:solidFill>
                   <a:srgbClr val="FFFFFF"/>
                 </a:solidFill>
               </a14:hiddenFill>
             </a:ext>
             <a:ext uri="{91240B29-F687-4F45-9708-019B960494DF}">
-              <a14:hiddenLine xmlns:a14="http://schemas.microsoft.com/office/drawing/2010/main" xmlns="" w="9525">
+              <a14:hiddenLine xmlns="" xmlns:a14="http://schemas.microsoft.com/office/drawing/2010/main" w="9525">
                 <a:solidFill>
                   <a:srgbClr val="000000"/>
                 </a:solidFill>
@@ -7964,7 +8260,7 @@
             <a:fld id="{381BE771-2CA5-43BE-8D7C-D88B50ECF611}" type="slidenum">
               <a:rPr lang="en-US" altLang="zh-CN"/>
               <a:pPr eaLnBrk="1" hangingPunct="1"/>
-              <a:t>10</a:t>
+              <a:t>11</a:t>
             </a:fld>
             <a:endParaRPr lang="en-US" altLang="zh-CN"/>
           </a:p>
@@ -8014,7 +8310,7 @@
             <p:ph idx="1"/>
             <p:extLst>
               <p:ext uri="{D42A27DB-BD31-4B8C-83A1-F6EECF244321}">
-                <p14:modId xmlns:p14="http://schemas.microsoft.com/office/powerpoint/2010/main" xmlns="" val="3645765562"/>
+                <p14:modId xmlns="" xmlns:p14="http://schemas.microsoft.com/office/powerpoint/2010/main" val="3645765562"/>
               </p:ext>
             </p:extLst>
           </p:nvPr>
@@ -9088,7 +9384,7 @@
     </p:spTree>
     <p:extLst>
       <p:ext uri="{BB962C8B-B14F-4D97-AF65-F5344CB8AC3E}">
-        <p14:creationId xmlns:p14="http://schemas.microsoft.com/office/powerpoint/2010/main" xmlns="" val="2270442966"/>
+        <p14:creationId xmlns="" xmlns:p14="http://schemas.microsoft.com/office/powerpoint/2010/main" val="2270442966"/>
       </p:ext>
     </p:extLst>
   </p:cSld>
@@ -9105,7 +9401,7 @@
 </p:sld>
 </file>
 
-<file path=ppt/slides/slide11.xml><?xml version="1.0" encoding="utf-8"?>
+<file path=ppt/slides/slide12.xml><?xml version="1.0" encoding="utf-8"?>
 <p:sld xmlns:a="http://schemas.openxmlformats.org/drawingml/2006/main" xmlns:r="http://schemas.openxmlformats.org/officeDocument/2006/relationships" xmlns:p="http://schemas.openxmlformats.org/presentationml/2006/main">
   <p:cSld>
     <p:spTree>
@@ -9140,7 +9436,7 @@
             <a:fld id="{4F88D95F-3A11-4A91-9442-80922F515B4F}" type="slidenum">
               <a:rPr lang="en-US" altLang="zh-CN"/>
               <a:pPr/>
-              <a:t>11</a:t>
+              <a:t>12</a:t>
             </a:fld>
             <a:endParaRPr lang="en-US" altLang="zh-CN"/>
           </a:p>
@@ -9360,7 +9656,7 @@
     </p:spTree>
     <p:extLst>
       <p:ext uri="{BB962C8B-B14F-4D97-AF65-F5344CB8AC3E}">
-        <p14:creationId xmlns:p14="http://schemas.microsoft.com/office/powerpoint/2010/main" xmlns="" val="2740047258"/>
+        <p14:creationId xmlns="" xmlns:p14="http://schemas.microsoft.com/office/powerpoint/2010/main" val="2740047258"/>
       </p:ext>
     </p:extLst>
   </p:cSld>
@@ -9377,7 +9673,7 @@
 </p:sld>
 </file>
 
-<file path=ppt/slides/slide12.xml><?xml version="1.0" encoding="utf-8"?>
+<file path=ppt/slides/slide13.xml><?xml version="1.0" encoding="utf-8"?>
 <p:sld xmlns:a="http://schemas.openxmlformats.org/drawingml/2006/main" xmlns:r="http://schemas.openxmlformats.org/officeDocument/2006/relationships" xmlns:p="http://schemas.openxmlformats.org/presentationml/2006/main">
   <p:cSld>
     <p:spTree>
@@ -9513,7 +9809,7 @@
 </p:sld>
 </file>
 
-<file path=ppt/slides/slide13.xml><?xml version="1.0" encoding="utf-8"?>
+<file path=ppt/slides/slide14.xml><?xml version="1.0" encoding="utf-8"?>
 <p:sld xmlns:a="http://schemas.openxmlformats.org/drawingml/2006/main" xmlns:r="http://schemas.openxmlformats.org/officeDocument/2006/relationships" xmlns:p="http://schemas.openxmlformats.org/presentationml/2006/main">
   <p:cSld>
     <p:spTree>
@@ -9643,7 +9939,7 @@
 </p:sld>
 </file>
 
-<file path=ppt/slides/slide14.xml><?xml version="1.0" encoding="utf-8"?>
+<file path=ppt/slides/slide15.xml><?xml version="1.0" encoding="utf-8"?>
 <p:sld xmlns:a="http://schemas.openxmlformats.org/drawingml/2006/main" xmlns:r="http://schemas.openxmlformats.org/officeDocument/2006/relationships" xmlns:p="http://schemas.openxmlformats.org/presentationml/2006/main">
   <p:cSld>
     <p:spTree>
@@ -9779,7 +10075,7 @@
 </p:sld>
 </file>
 
-<file path=ppt/slides/slide15.xml><?xml version="1.0" encoding="utf-8"?>
+<file path=ppt/slides/slide16.xml><?xml version="1.0" encoding="utf-8"?>
 <p:sld xmlns:a="http://schemas.openxmlformats.org/drawingml/2006/main" xmlns:r="http://schemas.openxmlformats.org/officeDocument/2006/relationships" xmlns:p="http://schemas.openxmlformats.org/presentationml/2006/main">
   <p:cSld>
     <p:spTree>
@@ -9896,7 +10192,7 @@
 </p:sld>
 </file>
 
-<file path=ppt/slides/slide2.xml><?xml version="1.0" encoding="utf-8"?>
+<file path=ppt/slides/slide17.xml><?xml version="1.0" encoding="utf-8"?>
 <p:sld xmlns:a="http://schemas.openxmlformats.org/drawingml/2006/main" xmlns:r="http://schemas.openxmlformats.org/officeDocument/2006/relationships" xmlns:p="http://schemas.openxmlformats.org/presentationml/2006/main">
   <p:cSld>
     <p:spTree>
@@ -9925,87 +10221,613 @@
         </p:nvSpPr>
         <p:spPr/>
         <p:txBody>
-          <a:bodyPr/>
+          <a:bodyPr>
+            <a:normAutofit/>
+          </a:bodyPr>
           <a:lstStyle/>
           <a:p>
             <a:r>
               <a:rPr lang="en-US" dirty="0" smtClean="0"/>
-              <a:t>Client/Server Architecture</a:t>
-            </a:r>
-            <a:endParaRPr lang="ar-EG" dirty="0"/>
+              <a:t>Overview</a:t>
+            </a:r>
+            <a:endParaRPr lang="en-US" dirty="0" smtClean="0"/>
           </a:p>
         </p:txBody>
       </p:sp>
       <p:pic>
         <p:nvPicPr>
-          <p:cNvPr id="4" name="Content Placeholder 3"/>
+          <p:cNvPr id="1026" name="Picture 2" descr="F:\RTC\AngularCourse\AnglerCourseGit\0-Appendix\Angular\1-overview2.png"/>
           <p:cNvPicPr>
-            <a:picLocks noGrp="1" noChangeAspect="1"/>
+            <a:picLocks noChangeAspect="1" noChangeArrowheads="1"/>
           </p:cNvPicPr>
-          <p:nvPr>
-            <p:ph idx="1"/>
-          </p:nvPr>
+          <p:nvPr/>
         </p:nvPicPr>
         <p:blipFill>
-          <a:blip r:embed="rId2">
-            <a:extLst>
-              <a:ext uri="{28A0092B-C50C-407E-A947-70E740481C1C}">
-                <a14:useLocalDpi xmlns:a14="http://schemas.microsoft.com/office/drawing/2010/main" xmlns="" val="0"/>
-              </a:ext>
-            </a:extLst>
-          </a:blip>
+          <a:blip r:embed="rId2"/>
+          <a:srcRect/>
           <a:stretch>
             <a:fillRect/>
           </a:stretch>
         </p:blipFill>
-        <p:spPr>
+        <p:spPr bwMode="auto">
           <a:xfrm>
-            <a:off x="457199" y="1661170"/>
-            <a:ext cx="8147615" cy="4511030"/>
+            <a:off x="255587" y="1447800"/>
+            <a:ext cx="8888413" cy="4521200"/>
           </a:xfrm>
+          <a:prstGeom prst="rect">
+            <a:avLst/>
+          </a:prstGeom>
+          <a:noFill/>
         </p:spPr>
       </p:pic>
-      <p:sp>
-        <p:nvSpPr>
-          <p:cNvPr id="3" name="Slide Number Placeholder 2"/>
-          <p:cNvSpPr>
-            <a:spLocks noGrp="1"/>
-          </p:cNvSpPr>
-          <p:nvPr>
-            <p:ph type="sldNum" sz="quarter" idx="12"/>
-          </p:nvPr>
-        </p:nvSpPr>
-        <p:spPr/>
-        <p:txBody>
-          <a:bodyPr/>
-          <a:lstStyle/>
-          <a:p>
-            <a:fld id="{B6F15528-21DE-4FAA-801E-634DDDAF4B2B}" type="slidenum">
-              <a:rPr lang="en-US" smtClean="0"/>
-              <a:pPr/>
-              <a:t>2</a:t>
-            </a:fld>
-            <a:endParaRPr lang="en-US"/>
-          </a:p>
-        </p:txBody>
-      </p:sp>
     </p:spTree>
-    <p:extLst>
-      <p:ext uri="{BB962C8B-B14F-4D97-AF65-F5344CB8AC3E}">
-        <p14:creationId xmlns:p14="http://schemas.microsoft.com/office/powerpoint/2010/main" xmlns="" val="278794199"/>
-      </p:ext>
-    </p:extLst>
   </p:cSld>
   <p:clrMapOvr>
     <a:masterClrMapping/>
   </p:clrMapOvr>
-  <p:timing>
-    <p:tnLst>
-      <p:par>
-        <p:cTn id="1" dur="indefinite" restart="never" nodeType="tmRoot"/>
-      </p:par>
-    </p:tnLst>
-  </p:timing>
+</p:sld>
+</file>
+
+<file path=ppt/slides/slide2.xml><?xml version="1.0" encoding="utf-8"?>
+<p:sld xmlns:a="http://schemas.openxmlformats.org/drawingml/2006/main" xmlns:r="http://schemas.openxmlformats.org/officeDocument/2006/relationships" xmlns:p="http://schemas.openxmlformats.org/presentationml/2006/main">
+  <p:cSld>
+    <p:spTree>
+      <p:nvGrpSpPr>
+        <p:cNvPr id="1" name=""/>
+        <p:cNvGrpSpPr/>
+        <p:nvPr/>
+      </p:nvGrpSpPr>
+      <p:grpSpPr>
+        <a:xfrm>
+          <a:off x="0" y="0"/>
+          <a:ext cx="0" cy="0"/>
+          <a:chOff x="0" y="0"/>
+          <a:chExt cx="0" cy="0"/>
+        </a:xfrm>
+      </p:grpSpPr>
+      <p:sp>
+        <p:nvSpPr>
+          <p:cNvPr id="1027" name="Rectangle 3"/>
+          <p:cNvSpPr>
+            <a:spLocks noChangeArrowheads="1"/>
+          </p:cNvSpPr>
+          <p:nvPr/>
+        </p:nvSpPr>
+        <p:spPr bwMode="auto">
+          <a:xfrm>
+            <a:off x="3505200" y="0"/>
+            <a:ext cx="3052439" cy="1138773"/>
+          </a:xfrm>
+          <a:prstGeom prst="rect">
+            <a:avLst/>
+          </a:prstGeom>
+          <a:solidFill>
+            <a:srgbClr val="FFFFFF"/>
+          </a:solidFill>
+          <a:ln w="9525">
+            <a:noFill/>
+            <a:miter lim="800000"/>
+            <a:headEnd/>
+            <a:tailEnd/>
+          </a:ln>
+          <a:effectLst/>
+        </p:spPr>
+        <p:txBody>
+          <a:bodyPr vert="horz" wrap="none" lIns="91440" tIns="45720" rIns="91440" bIns="45720" numCol="1" anchor="ctr" anchorCtr="0" compatLnSpc="1">
+            <a:prstTxWarp prst="textNoShape">
+              <a:avLst/>
+            </a:prstTxWarp>
+            <a:spAutoFit/>
+          </a:bodyPr>
+          <a:lstStyle/>
+          <a:p>
+            <a:pPr marL="0" marR="0" lvl="0" indent="0" algn="l" defTabSz="914400" rtl="0" eaLnBrk="1" fontAlgn="base" latinLnBrk="0" hangingPunct="1">
+              <a:lnSpc>
+                <a:spcPct val="100000"/>
+              </a:lnSpc>
+              <a:spcBef>
+                <a:spcPct val="0"/>
+              </a:spcBef>
+              <a:spcAft>
+                <a:spcPct val="0"/>
+              </a:spcAft>
+              <a:buClrTx/>
+              <a:buSzTx/>
+              <a:buFontTx/>
+              <a:buNone/>
+              <a:tabLst/>
+            </a:pPr>
+            <a:r>
+              <a:rPr kumimoji="0" lang="en-US" sz="3200" b="1" i="0" u="none" strike="noStrike" cap="none" normalizeH="0" baseline="0" dirty="0" smtClean="0">
+                <a:ln>
+                  <a:noFill/>
+                </a:ln>
+                <a:solidFill>
+                  <a:srgbClr val="373D49"/>
+                </a:solidFill>
+                <a:effectLst/>
+                <a:latin typeface="Source Sans Pro"/>
+                <a:cs typeface="Arial" pitchFamily="34" charset="0"/>
+              </a:rPr>
+              <a:t>Course Layout</a:t>
+            </a:r>
+          </a:p>
+          <a:p>
+            <a:pPr marL="0" marR="0" lvl="0" indent="0" algn="l" defTabSz="914400" rtl="0" eaLnBrk="0" fontAlgn="base" latinLnBrk="0" hangingPunct="0">
+              <a:lnSpc>
+                <a:spcPct val="100000"/>
+              </a:lnSpc>
+              <a:spcBef>
+                <a:spcPct val="0"/>
+              </a:spcBef>
+              <a:spcAft>
+                <a:spcPct val="0"/>
+              </a:spcAft>
+              <a:buClrTx/>
+              <a:buSzTx/>
+              <a:buFontTx/>
+              <a:buNone/>
+              <a:tabLst/>
+            </a:pPr>
+            <a:endParaRPr kumimoji="0" lang="en-US" sz="3600" b="0" i="0" u="none" strike="noStrike" cap="none" normalizeH="0" baseline="0" dirty="0" smtClean="0">
+              <a:ln>
+                <a:noFill/>
+              </a:ln>
+              <a:solidFill>
+                <a:schemeClr val="tx1"/>
+              </a:solidFill>
+              <a:effectLst/>
+              <a:latin typeface="Arial" pitchFamily="34" charset="0"/>
+              <a:cs typeface="Arial" pitchFamily="34" charset="0"/>
+            </a:endParaRPr>
+          </a:p>
+        </p:txBody>
+      </p:sp>
+      <p:sp>
+        <p:nvSpPr>
+          <p:cNvPr id="1029" name="Rectangle 5"/>
+          <p:cNvSpPr>
+            <a:spLocks noChangeArrowheads="1"/>
+          </p:cNvSpPr>
+          <p:nvPr/>
+        </p:nvSpPr>
+        <p:spPr bwMode="auto">
+          <a:xfrm>
+            <a:off x="304800" y="685800"/>
+            <a:ext cx="6072496" cy="5539978"/>
+          </a:xfrm>
+          <a:prstGeom prst="rect">
+            <a:avLst/>
+          </a:prstGeom>
+          <a:solidFill>
+            <a:srgbClr val="FFFFFF"/>
+          </a:solidFill>
+          <a:ln w="9525">
+            <a:noFill/>
+            <a:miter lim="800000"/>
+            <a:headEnd/>
+            <a:tailEnd/>
+          </a:ln>
+          <a:effectLst/>
+        </p:spPr>
+        <p:txBody>
+          <a:bodyPr vert="horz" wrap="none" lIns="91440" tIns="45720" rIns="91440" bIns="45720" numCol="1" anchor="ctr" anchorCtr="0" compatLnSpc="1">
+            <a:prstTxWarp prst="textNoShape">
+              <a:avLst/>
+            </a:prstTxWarp>
+            <a:spAutoFit/>
+          </a:bodyPr>
+          <a:lstStyle/>
+          <a:p>
+            <a:pPr marL="0" marR="0" lvl="0" indent="0" algn="l" defTabSz="914400" rtl="0" eaLnBrk="1" fontAlgn="base" latinLnBrk="0" hangingPunct="1">
+              <a:lnSpc>
+                <a:spcPct val="100000"/>
+              </a:lnSpc>
+              <a:spcBef>
+                <a:spcPct val="0"/>
+              </a:spcBef>
+              <a:spcAft>
+                <a:spcPct val="0"/>
+              </a:spcAft>
+              <a:buClrTx/>
+              <a:buSzTx/>
+              <a:buFontTx/>
+              <a:buNone/>
+              <a:tabLst/>
+            </a:pPr>
+            <a:endParaRPr kumimoji="0" lang="en-US" sz="2000" b="0" i="0" u="none" strike="noStrike" cap="none" normalizeH="0" baseline="0" dirty="0" smtClean="0">
+              <a:ln>
+                <a:noFill/>
+              </a:ln>
+              <a:solidFill>
+                <a:schemeClr val="tx1"/>
+              </a:solidFill>
+              <a:effectLst/>
+              <a:latin typeface="Arial" pitchFamily="34" charset="0"/>
+              <a:cs typeface="Arial" pitchFamily="34" charset="0"/>
+            </a:endParaRPr>
+          </a:p>
+          <a:p>
+            <a:pPr marL="0" marR="0" lvl="0" indent="0" algn="l" defTabSz="914400" rtl="0" eaLnBrk="0" fontAlgn="base" latinLnBrk="0" hangingPunct="0">
+              <a:lnSpc>
+                <a:spcPct val="100000"/>
+              </a:lnSpc>
+              <a:spcBef>
+                <a:spcPct val="0"/>
+              </a:spcBef>
+              <a:spcAft>
+                <a:spcPct val="0"/>
+              </a:spcAft>
+              <a:buClrTx/>
+              <a:buSzTx/>
+              <a:buFontTx/>
+              <a:buChar char="•"/>
+              <a:tabLst/>
+            </a:pPr>
+            <a:r>
+              <a:rPr kumimoji="0" lang="en-US" sz="2800" b="0" i="0" u="none" strike="noStrike" cap="none" normalizeH="0" baseline="0" dirty="0" smtClean="0">
+                <a:ln>
+                  <a:noFill/>
+                </a:ln>
+                <a:solidFill>
+                  <a:srgbClr val="373D49"/>
+                </a:solidFill>
+                <a:effectLst/>
+                <a:latin typeface="Georgia" pitchFamily="18" charset="0"/>
+                <a:cs typeface="Arial" pitchFamily="34" charset="0"/>
+              </a:rPr>
+              <a:t>lecture 1 :Introduction to the Course</a:t>
+            </a:r>
+          </a:p>
+          <a:p>
+            <a:pPr marL="0" marR="0" lvl="0" indent="0" algn="l" defTabSz="914400" rtl="0" eaLnBrk="0" fontAlgn="base" latinLnBrk="0" hangingPunct="0">
+              <a:lnSpc>
+                <a:spcPct val="100000"/>
+              </a:lnSpc>
+              <a:spcBef>
+                <a:spcPct val="0"/>
+              </a:spcBef>
+              <a:spcAft>
+                <a:spcPct val="0"/>
+              </a:spcAft>
+              <a:buClrTx/>
+              <a:buSzTx/>
+              <a:buFontTx/>
+              <a:buChar char="•"/>
+              <a:tabLst/>
+            </a:pPr>
+            <a:r>
+              <a:rPr kumimoji="0" lang="en-US" sz="2800" b="0" i="0" u="none" strike="noStrike" cap="none" normalizeH="0" baseline="0" dirty="0" smtClean="0">
+                <a:ln>
+                  <a:noFill/>
+                </a:ln>
+                <a:solidFill>
+                  <a:srgbClr val="373D49"/>
+                </a:solidFill>
+                <a:effectLst/>
+                <a:latin typeface="Georgia" pitchFamily="18" charset="0"/>
+                <a:cs typeface="Arial" pitchFamily="34" charset="0"/>
+              </a:rPr>
+              <a:t>lecture 2 :Data Binding</a:t>
+            </a:r>
+          </a:p>
+          <a:p>
+            <a:pPr marL="0" marR="0" lvl="0" indent="0" algn="l" defTabSz="914400" rtl="0" eaLnBrk="0" fontAlgn="base" latinLnBrk="0" hangingPunct="0">
+              <a:lnSpc>
+                <a:spcPct val="100000"/>
+              </a:lnSpc>
+              <a:spcBef>
+                <a:spcPct val="0"/>
+              </a:spcBef>
+              <a:spcAft>
+                <a:spcPct val="0"/>
+              </a:spcAft>
+              <a:buClrTx/>
+              <a:buSzTx/>
+              <a:buFontTx/>
+              <a:buChar char="•"/>
+              <a:tabLst/>
+            </a:pPr>
+            <a:r>
+              <a:rPr kumimoji="0" lang="en-US" sz="2800" b="0" i="0" u="none" strike="noStrike" cap="none" normalizeH="0" baseline="0" dirty="0" smtClean="0">
+                <a:ln>
+                  <a:noFill/>
+                </a:ln>
+                <a:solidFill>
+                  <a:srgbClr val="373D49"/>
+                </a:solidFill>
+                <a:effectLst/>
+                <a:latin typeface="Georgia" pitchFamily="18" charset="0"/>
+                <a:cs typeface="Arial" pitchFamily="34" charset="0"/>
+              </a:rPr>
+              <a:t>lecture 3 :Directives</a:t>
+            </a:r>
+          </a:p>
+          <a:p>
+            <a:pPr marL="0" marR="0" lvl="0" indent="0" algn="l" defTabSz="914400" rtl="0" eaLnBrk="0" fontAlgn="base" latinLnBrk="0" hangingPunct="0">
+              <a:lnSpc>
+                <a:spcPct val="100000"/>
+              </a:lnSpc>
+              <a:spcBef>
+                <a:spcPct val="0"/>
+              </a:spcBef>
+              <a:spcAft>
+                <a:spcPct val="0"/>
+              </a:spcAft>
+              <a:buClrTx/>
+              <a:buSzTx/>
+              <a:buFontTx/>
+              <a:buChar char="•"/>
+              <a:tabLst/>
+            </a:pPr>
+            <a:r>
+              <a:rPr kumimoji="0" lang="en-US" sz="2800" b="0" i="0" u="none" strike="noStrike" cap="none" normalizeH="0" baseline="0" dirty="0" smtClean="0">
+                <a:ln>
+                  <a:noFill/>
+                </a:ln>
+                <a:solidFill>
+                  <a:srgbClr val="373D49"/>
+                </a:solidFill>
+                <a:effectLst/>
+                <a:latin typeface="Georgia" pitchFamily="18" charset="0"/>
+                <a:cs typeface="Arial" pitchFamily="34" charset="0"/>
+              </a:rPr>
+              <a:t>lecture 4 :Routes</a:t>
+            </a:r>
+          </a:p>
+          <a:p>
+            <a:pPr marL="0" marR="0" lvl="0" indent="0" algn="l" defTabSz="914400" rtl="0" eaLnBrk="0" fontAlgn="base" latinLnBrk="0" hangingPunct="0">
+              <a:lnSpc>
+                <a:spcPct val="100000"/>
+              </a:lnSpc>
+              <a:spcBef>
+                <a:spcPct val="0"/>
+              </a:spcBef>
+              <a:spcAft>
+                <a:spcPct val="0"/>
+              </a:spcAft>
+              <a:buClrTx/>
+              <a:buSzTx/>
+              <a:buFontTx/>
+              <a:buChar char="•"/>
+              <a:tabLst/>
+            </a:pPr>
+            <a:r>
+              <a:rPr kumimoji="0" lang="en-US" sz="2800" b="0" i="0" u="none" strike="noStrike" cap="none" normalizeH="0" baseline="0" dirty="0" smtClean="0">
+                <a:ln>
+                  <a:noFill/>
+                </a:ln>
+                <a:solidFill>
+                  <a:srgbClr val="373D49"/>
+                </a:solidFill>
+                <a:effectLst/>
+                <a:latin typeface="Georgia" pitchFamily="18" charset="0"/>
+                <a:cs typeface="Arial" pitchFamily="34" charset="0"/>
+              </a:rPr>
+              <a:t>lecture 5 :Forms</a:t>
+            </a:r>
+          </a:p>
+          <a:p>
+            <a:pPr marL="0" marR="0" lvl="0" indent="0" algn="l" defTabSz="914400" rtl="0" eaLnBrk="0" fontAlgn="base" latinLnBrk="0" hangingPunct="0">
+              <a:lnSpc>
+                <a:spcPct val="100000"/>
+              </a:lnSpc>
+              <a:spcBef>
+                <a:spcPct val="0"/>
+              </a:spcBef>
+              <a:spcAft>
+                <a:spcPct val="0"/>
+              </a:spcAft>
+              <a:buClrTx/>
+              <a:buSzTx/>
+              <a:buFontTx/>
+              <a:buChar char="•"/>
+              <a:tabLst/>
+            </a:pPr>
+            <a:r>
+              <a:rPr kumimoji="0" lang="en-US" sz="2800" b="0" i="0" u="none" strike="noStrike" cap="none" normalizeH="0" baseline="0" dirty="0" smtClean="0">
+                <a:ln>
+                  <a:noFill/>
+                </a:ln>
+                <a:solidFill>
+                  <a:srgbClr val="373D49"/>
+                </a:solidFill>
+                <a:effectLst/>
+                <a:latin typeface="Georgia" pitchFamily="18" charset="0"/>
+                <a:cs typeface="Arial" pitchFamily="34" charset="0"/>
+              </a:rPr>
+              <a:t>lecture 6 :</a:t>
+            </a:r>
+            <a:r>
+              <a:rPr kumimoji="0" lang="en-US" sz="2800" b="0" i="0" u="none" strike="noStrike" cap="none" normalizeH="0" baseline="0" dirty="0" err="1" smtClean="0">
+                <a:ln>
+                  <a:noFill/>
+                </a:ln>
+                <a:solidFill>
+                  <a:srgbClr val="373D49"/>
+                </a:solidFill>
+                <a:effectLst/>
+                <a:latin typeface="Georgia" pitchFamily="18" charset="0"/>
+                <a:cs typeface="Arial" pitchFamily="34" charset="0"/>
+              </a:rPr>
+              <a:t>HttpClint</a:t>
+            </a:r>
+            <a:endParaRPr kumimoji="0" lang="en-US" sz="2800" b="0" i="0" u="none" strike="noStrike" cap="none" normalizeH="0" baseline="0" dirty="0" smtClean="0">
+              <a:ln>
+                <a:noFill/>
+              </a:ln>
+              <a:solidFill>
+                <a:srgbClr val="373D49"/>
+              </a:solidFill>
+              <a:effectLst/>
+              <a:latin typeface="Georgia" pitchFamily="18" charset="0"/>
+              <a:cs typeface="Arial" pitchFamily="34" charset="0"/>
+            </a:endParaRPr>
+          </a:p>
+          <a:p>
+            <a:pPr marL="0" marR="0" lvl="0" indent="0" algn="l" defTabSz="914400" rtl="0" eaLnBrk="0" fontAlgn="base" latinLnBrk="0" hangingPunct="0">
+              <a:lnSpc>
+                <a:spcPct val="100000"/>
+              </a:lnSpc>
+              <a:spcBef>
+                <a:spcPct val="0"/>
+              </a:spcBef>
+              <a:spcAft>
+                <a:spcPct val="0"/>
+              </a:spcAft>
+              <a:buClrTx/>
+              <a:buSzTx/>
+              <a:buFontTx/>
+              <a:buChar char="•"/>
+              <a:tabLst/>
+            </a:pPr>
+            <a:r>
+              <a:rPr kumimoji="0" lang="en-US" sz="2800" b="0" i="0" u="none" strike="noStrike" cap="none" normalizeH="0" baseline="0" dirty="0" smtClean="0">
+                <a:ln>
+                  <a:noFill/>
+                </a:ln>
+                <a:solidFill>
+                  <a:srgbClr val="373D49"/>
+                </a:solidFill>
+                <a:effectLst/>
+                <a:latin typeface="Georgia" pitchFamily="18" charset="0"/>
+                <a:cs typeface="Arial" pitchFamily="34" charset="0"/>
+              </a:rPr>
+              <a:t>lecture 7 :Animations</a:t>
+            </a:r>
+          </a:p>
+          <a:p>
+            <a:pPr marL="0" marR="0" lvl="0" indent="0" algn="l" defTabSz="914400" rtl="0" eaLnBrk="0" fontAlgn="base" latinLnBrk="0" hangingPunct="0">
+              <a:lnSpc>
+                <a:spcPct val="100000"/>
+              </a:lnSpc>
+              <a:spcBef>
+                <a:spcPct val="0"/>
+              </a:spcBef>
+              <a:spcAft>
+                <a:spcPct val="0"/>
+              </a:spcAft>
+              <a:buClrTx/>
+              <a:buSzTx/>
+              <a:buFontTx/>
+              <a:buChar char="•"/>
+              <a:tabLst/>
+            </a:pPr>
+            <a:r>
+              <a:rPr kumimoji="0" lang="en-US" sz="2800" b="0" i="0" u="none" strike="noStrike" cap="none" normalizeH="0" baseline="0" dirty="0" smtClean="0">
+                <a:ln>
+                  <a:noFill/>
+                </a:ln>
+                <a:solidFill>
+                  <a:srgbClr val="373D49"/>
+                </a:solidFill>
+                <a:effectLst/>
+                <a:latin typeface="Georgia" pitchFamily="18" charset="0"/>
+                <a:cs typeface="Arial" pitchFamily="34" charset="0"/>
+              </a:rPr>
+              <a:t>lecture 8 :Project</a:t>
+            </a:r>
+          </a:p>
+          <a:p>
+            <a:pPr marL="0" marR="0" lvl="0" indent="0" algn="l" defTabSz="914400" rtl="0" eaLnBrk="0" fontAlgn="base" latinLnBrk="0" hangingPunct="0">
+              <a:lnSpc>
+                <a:spcPct val="100000"/>
+              </a:lnSpc>
+              <a:spcBef>
+                <a:spcPct val="0"/>
+              </a:spcBef>
+              <a:spcAft>
+                <a:spcPct val="0"/>
+              </a:spcAft>
+              <a:buClrTx/>
+              <a:buSzTx/>
+              <a:buFontTx/>
+              <a:buChar char="•"/>
+              <a:tabLst/>
+            </a:pPr>
+            <a:r>
+              <a:rPr kumimoji="0" lang="en-US" sz="2800" b="0" i="0" u="none" strike="noStrike" cap="none" normalizeH="0" baseline="0" dirty="0" smtClean="0">
+                <a:ln>
+                  <a:noFill/>
+                </a:ln>
+                <a:solidFill>
+                  <a:srgbClr val="373D49"/>
+                </a:solidFill>
+                <a:effectLst/>
+                <a:latin typeface="Georgia" pitchFamily="18" charset="0"/>
+                <a:cs typeface="Arial" pitchFamily="34" charset="0"/>
+              </a:rPr>
+              <a:t>lecture 9 :Project</a:t>
+            </a:r>
+          </a:p>
+          <a:p>
+            <a:pPr marL="0" marR="0" lvl="0" indent="0" algn="l" defTabSz="914400" rtl="0" eaLnBrk="0" fontAlgn="base" latinLnBrk="0" hangingPunct="0">
+              <a:lnSpc>
+                <a:spcPct val="100000"/>
+              </a:lnSpc>
+              <a:spcBef>
+                <a:spcPct val="0"/>
+              </a:spcBef>
+              <a:spcAft>
+                <a:spcPct val="0"/>
+              </a:spcAft>
+              <a:buClrTx/>
+              <a:buSzTx/>
+              <a:buFontTx/>
+              <a:buChar char="•"/>
+              <a:tabLst/>
+            </a:pPr>
+            <a:r>
+              <a:rPr kumimoji="0" lang="en-US" sz="2800" b="0" i="0" u="none" strike="noStrike" cap="none" normalizeH="0" baseline="0" dirty="0" smtClean="0">
+                <a:ln>
+                  <a:noFill/>
+                </a:ln>
+                <a:solidFill>
+                  <a:srgbClr val="373D49"/>
+                </a:solidFill>
+                <a:effectLst/>
+                <a:latin typeface="Georgia" pitchFamily="18" charset="0"/>
+                <a:cs typeface="Arial" pitchFamily="34" charset="0"/>
+              </a:rPr>
+              <a:t>lecture 10:Linting Testing Deploying</a:t>
+            </a:r>
+          </a:p>
+          <a:p>
+            <a:pPr marL="0" marR="0" lvl="0" indent="0" algn="l" defTabSz="914400" rtl="0" eaLnBrk="0" fontAlgn="base" latinLnBrk="0" hangingPunct="0">
+              <a:lnSpc>
+                <a:spcPct val="100000"/>
+              </a:lnSpc>
+              <a:spcBef>
+                <a:spcPct val="0"/>
+              </a:spcBef>
+              <a:spcAft>
+                <a:spcPct val="0"/>
+              </a:spcAft>
+              <a:buClrTx/>
+              <a:buSzTx/>
+              <a:buFontTx/>
+              <a:buNone/>
+              <a:tabLst/>
+            </a:pPr>
+            <a:endParaRPr kumimoji="0" lang="en-US" sz="5400" b="0" i="0" u="none" strike="noStrike" cap="none" normalizeH="0" baseline="0" dirty="0" smtClean="0">
+              <a:ln>
+                <a:noFill/>
+              </a:ln>
+              <a:solidFill>
+                <a:schemeClr val="tx1"/>
+              </a:solidFill>
+              <a:effectLst/>
+              <a:latin typeface="Arial" pitchFamily="34" charset="0"/>
+              <a:cs typeface="Arial" pitchFamily="34" charset="0"/>
+            </a:endParaRPr>
+          </a:p>
+        </p:txBody>
+      </p:sp>
+    </p:spTree>
+  </p:cSld>
+  <p:clrMapOvr>
+    <a:masterClrMapping/>
+  </p:clrMapOvr>
 </p:sld>
 </file>
 
@@ -10038,52 +10860,46 @@
         </p:nvSpPr>
         <p:spPr/>
         <p:txBody>
-          <a:bodyPr>
-            <a:normAutofit fontScale="90000"/>
-          </a:bodyPr>
+          <a:bodyPr/>
           <a:lstStyle/>
           <a:p>
-            <a:pPr lvl="0"/>
-            <a:r>
-              <a:rPr lang="en-US" dirty="0"/>
-              <a:t>Web programming language</a:t>
-            </a:r>
-            <a:r>
-              <a:rPr lang="ar-EG" dirty="0"/>
-              <a:t/>
-            </a:r>
-            <a:br>
-              <a:rPr lang="ar-EG" dirty="0"/>
-            </a:br>
+            <a:r>
+              <a:rPr lang="en-US" dirty="0" smtClean="0"/>
+              <a:t>Client/Server Architecture</a:t>
+            </a:r>
             <a:endParaRPr lang="ar-EG" dirty="0"/>
           </a:p>
         </p:txBody>
       </p:sp>
-      <p:graphicFrame>
-        <p:nvGraphicFramePr>
+      <p:pic>
+        <p:nvPicPr>
           <p:cNvPr id="4" name="Content Placeholder 3"/>
-          <p:cNvGraphicFramePr>
-            <a:graphicFrameLocks noGrp="1"/>
-          </p:cNvGraphicFramePr>
+          <p:cNvPicPr>
+            <a:picLocks noGrp="1" noChangeAspect="1"/>
+          </p:cNvPicPr>
           <p:nvPr>
             <p:ph idx="1"/>
-            <p:extLst>
-              <p:ext uri="{D42A27DB-BD31-4B8C-83A1-F6EECF244321}">
-                <p14:modId xmlns:p14="http://schemas.microsoft.com/office/powerpoint/2010/main" xmlns="" val="30894002"/>
-              </p:ext>
-            </p:extLst>
           </p:nvPr>
-        </p:nvGraphicFramePr>
-        <p:xfrm>
-          <a:off x="457200" y="1600200"/>
-          <a:ext cx="8222776" cy="4525963"/>
-        </p:xfrm>
-        <a:graphic>
-          <a:graphicData uri="http://schemas.openxmlformats.org/drawingml/2006/diagram">
-            <dgm:relIds xmlns:dgm="http://schemas.openxmlformats.org/drawingml/2006/diagram" xmlns:r="http://schemas.openxmlformats.org/officeDocument/2006/relationships" r:dm="rId2" r:lo="rId3" r:qs="rId4" r:cs="rId5"/>
-          </a:graphicData>
-        </a:graphic>
-      </p:graphicFrame>
+        </p:nvPicPr>
+        <p:blipFill>
+          <a:blip r:embed="rId2">
+            <a:extLst>
+              <a:ext uri="{28A0092B-C50C-407E-A947-70E740481C1C}">
+                <a14:useLocalDpi xmlns="" xmlns:a14="http://schemas.microsoft.com/office/drawing/2010/main" val="0"/>
+              </a:ext>
+            </a:extLst>
+          </a:blip>
+          <a:stretch>
+            <a:fillRect/>
+          </a:stretch>
+        </p:blipFill>
+        <p:spPr>
+          <a:xfrm>
+            <a:off x="457199" y="1661170"/>
+            <a:ext cx="8147615" cy="4511030"/>
+          </a:xfrm>
+        </p:spPr>
+      </p:pic>
       <p:sp>
         <p:nvSpPr>
           <p:cNvPr id="3" name="Slide Number Placeholder 2"/>
@@ -10111,7 +10927,7 @@
     </p:spTree>
     <p:extLst>
       <p:ext uri="{BB962C8B-B14F-4D97-AF65-F5344CB8AC3E}">
-        <p14:creationId xmlns:p14="http://schemas.microsoft.com/office/powerpoint/2010/main" xmlns="" val="2446449492"/>
+        <p14:creationId xmlns="" xmlns:p14="http://schemas.microsoft.com/office/powerpoint/2010/main" val="278794199"/>
       </p:ext>
     </p:extLst>
   </p:cSld>
@@ -10164,16 +10980,8 @@
           <a:p>
             <a:pPr lvl="0"/>
             <a:r>
-              <a:rPr lang="en-US" dirty="0" smtClean="0"/>
-              <a:t>Course  </a:t>
-            </a:r>
-            <a:r>
-              <a:rPr lang="en-US" dirty="0" err="1" smtClean="0"/>
-              <a:t>PreRequisite</a:t>
-            </a:r>
-            <a:r>
-              <a:rPr lang="en-US" dirty="0" smtClean="0"/>
-              <a:t> </a:t>
+              <a:rPr lang="en-US" dirty="0"/>
+              <a:t>Web programming language</a:t>
             </a:r>
             <a:r>
               <a:rPr lang="ar-EG" dirty="0"/>
@@ -10186,6 +10994,31 @@
           </a:p>
         </p:txBody>
       </p:sp>
+      <p:graphicFrame>
+        <p:nvGraphicFramePr>
+          <p:cNvPr id="4" name="Content Placeholder 3"/>
+          <p:cNvGraphicFramePr>
+            <a:graphicFrameLocks noGrp="1"/>
+          </p:cNvGraphicFramePr>
+          <p:nvPr>
+            <p:ph idx="1"/>
+            <p:extLst>
+              <p:ext uri="{D42A27DB-BD31-4B8C-83A1-F6EECF244321}">
+                <p14:modId xmlns="" xmlns:p14="http://schemas.microsoft.com/office/powerpoint/2010/main" val="30894002"/>
+              </p:ext>
+            </p:extLst>
+          </p:nvPr>
+        </p:nvGraphicFramePr>
+        <p:xfrm>
+          <a:off x="457200" y="1600200"/>
+          <a:ext cx="8222776" cy="4525963"/>
+        </p:xfrm>
+        <a:graphic>
+          <a:graphicData uri="http://schemas.openxmlformats.org/drawingml/2006/diagram">
+            <dgm:relIds xmlns:dgm="http://schemas.openxmlformats.org/drawingml/2006/diagram" xmlns:r="http://schemas.openxmlformats.org/officeDocument/2006/relationships" r:dm="rId2" r:lo="rId3" r:qs="rId4" r:cs="rId5"/>
+          </a:graphicData>
+        </a:graphic>
+      </p:graphicFrame>
       <p:sp>
         <p:nvSpPr>
           <p:cNvPr id="3" name="Slide Number Placeholder 2"/>
@@ -10210,73 +11043,10 @@
           </a:p>
         </p:txBody>
       </p:sp>
-      <p:sp>
-        <p:nvSpPr>
-          <p:cNvPr id="5" name="Content Placeholder 4"/>
-          <p:cNvSpPr>
-            <a:spLocks noGrp="1"/>
-          </p:cNvSpPr>
-          <p:nvPr>
-            <p:ph idx="1"/>
-          </p:nvPr>
-        </p:nvSpPr>
-        <p:spPr/>
-        <p:txBody>
-          <a:bodyPr/>
-          <a:lstStyle/>
-          <a:p>
-            <a:r>
-              <a:rPr lang="en-US" sz="2400" b="1" dirty="0" smtClean="0"/>
-              <a:t>Necessary Requirements </a:t>
-            </a:r>
-          </a:p>
-          <a:p>
-            <a:pPr lvl="1"/>
-            <a:r>
-              <a:rPr lang="en-US" sz="2000" dirty="0" smtClean="0"/>
-              <a:t>HTML</a:t>
-            </a:r>
-          </a:p>
-          <a:p>
-            <a:pPr lvl="1"/>
-            <a:r>
-              <a:rPr lang="en-US" sz="2000" dirty="0" smtClean="0"/>
-              <a:t>CSS</a:t>
-            </a:r>
-          </a:p>
-          <a:p>
-            <a:pPr lvl="1"/>
-            <a:r>
-              <a:rPr lang="en-US" sz="2000" dirty="0" smtClean="0"/>
-              <a:t>JS</a:t>
-            </a:r>
-          </a:p>
-          <a:p>
-            <a:endParaRPr lang="en-US" sz="2400" dirty="0" smtClean="0"/>
-          </a:p>
-          <a:p>
-            <a:r>
-              <a:rPr lang="en-US" sz="2400" b="1" smtClean="0"/>
-              <a:t>Preferred Requirements </a:t>
-            </a:r>
-            <a:endParaRPr lang="en-US" sz="2400" b="1" dirty="0" smtClean="0"/>
-          </a:p>
-          <a:p>
-            <a:pPr lvl="1"/>
-            <a:r>
-              <a:rPr lang="en-US" sz="2000" dirty="0" smtClean="0"/>
-              <a:t>TS</a:t>
-            </a:r>
-          </a:p>
-          <a:p>
-            <a:endParaRPr lang="en-US" dirty="0"/>
-          </a:p>
-        </p:txBody>
-      </p:sp>
     </p:spTree>
     <p:extLst>
       <p:ext uri="{BB962C8B-B14F-4D97-AF65-F5344CB8AC3E}">
-        <p14:creationId xmlns:p14="http://schemas.microsoft.com/office/powerpoint/2010/main" xmlns="" val="2446449492"/>
+        <p14:creationId xmlns="" xmlns:p14="http://schemas.microsoft.com/office/powerpoint/2010/main" val="2446449492"/>
       </p:ext>
     </p:extLst>
   </p:cSld>
@@ -10322,6 +11092,171 @@
         </p:nvSpPr>
         <p:spPr/>
         <p:txBody>
+          <a:bodyPr>
+            <a:normAutofit fontScale="90000"/>
+          </a:bodyPr>
+          <a:lstStyle/>
+          <a:p>
+            <a:pPr lvl="0"/>
+            <a:r>
+              <a:rPr lang="en-US" dirty="0" smtClean="0"/>
+              <a:t>Course  </a:t>
+            </a:r>
+            <a:r>
+              <a:rPr lang="en-US" dirty="0" err="1" smtClean="0"/>
+              <a:t>PreRequisite</a:t>
+            </a:r>
+            <a:r>
+              <a:rPr lang="en-US" dirty="0" smtClean="0"/>
+              <a:t> </a:t>
+            </a:r>
+            <a:r>
+              <a:rPr lang="ar-EG" dirty="0"/>
+              <a:t/>
+            </a:r>
+            <a:br>
+              <a:rPr lang="ar-EG" dirty="0"/>
+            </a:br>
+            <a:endParaRPr lang="ar-EG" dirty="0"/>
+          </a:p>
+        </p:txBody>
+      </p:sp>
+      <p:sp>
+        <p:nvSpPr>
+          <p:cNvPr id="3" name="Slide Number Placeholder 2"/>
+          <p:cNvSpPr>
+            <a:spLocks noGrp="1"/>
+          </p:cNvSpPr>
+          <p:nvPr>
+            <p:ph type="sldNum" sz="quarter" idx="12"/>
+          </p:nvPr>
+        </p:nvSpPr>
+        <p:spPr/>
+        <p:txBody>
+          <a:bodyPr/>
+          <a:lstStyle/>
+          <a:p>
+            <a:fld id="{B6F15528-21DE-4FAA-801E-634DDDAF4B2B}" type="slidenum">
+              <a:rPr lang="en-US" smtClean="0"/>
+              <a:pPr/>
+              <a:t>5</a:t>
+            </a:fld>
+            <a:endParaRPr lang="en-US"/>
+          </a:p>
+        </p:txBody>
+      </p:sp>
+      <p:sp>
+        <p:nvSpPr>
+          <p:cNvPr id="5" name="Content Placeholder 4"/>
+          <p:cNvSpPr>
+            <a:spLocks noGrp="1"/>
+          </p:cNvSpPr>
+          <p:nvPr>
+            <p:ph idx="1"/>
+          </p:nvPr>
+        </p:nvSpPr>
+        <p:spPr/>
+        <p:txBody>
+          <a:bodyPr/>
+          <a:lstStyle/>
+          <a:p>
+            <a:r>
+              <a:rPr lang="en-US" sz="2400" b="1" dirty="0" smtClean="0"/>
+              <a:t>Necessary Requirements </a:t>
+            </a:r>
+          </a:p>
+          <a:p>
+            <a:pPr lvl="1"/>
+            <a:r>
+              <a:rPr lang="en-US" sz="2000" dirty="0" smtClean="0"/>
+              <a:t>HTML</a:t>
+            </a:r>
+          </a:p>
+          <a:p>
+            <a:pPr lvl="1"/>
+            <a:r>
+              <a:rPr lang="en-US" sz="2000" dirty="0" smtClean="0"/>
+              <a:t>CSS</a:t>
+            </a:r>
+          </a:p>
+          <a:p>
+            <a:pPr lvl="1"/>
+            <a:r>
+              <a:rPr lang="en-US" sz="2000" dirty="0" smtClean="0"/>
+              <a:t>JS</a:t>
+            </a:r>
+          </a:p>
+          <a:p>
+            <a:endParaRPr lang="en-US" sz="2400" dirty="0" smtClean="0"/>
+          </a:p>
+          <a:p>
+            <a:r>
+              <a:rPr lang="en-US" sz="2400" b="1" smtClean="0"/>
+              <a:t>Preferred Requirements </a:t>
+            </a:r>
+            <a:endParaRPr lang="en-US" sz="2400" b="1" dirty="0" smtClean="0"/>
+          </a:p>
+          <a:p>
+            <a:pPr lvl="1"/>
+            <a:r>
+              <a:rPr lang="en-US" sz="2000" dirty="0" smtClean="0"/>
+              <a:t>TS</a:t>
+            </a:r>
+          </a:p>
+          <a:p>
+            <a:endParaRPr lang="en-US" dirty="0"/>
+          </a:p>
+        </p:txBody>
+      </p:sp>
+    </p:spTree>
+    <p:extLst>
+      <p:ext uri="{BB962C8B-B14F-4D97-AF65-F5344CB8AC3E}">
+        <p14:creationId xmlns="" xmlns:p14="http://schemas.microsoft.com/office/powerpoint/2010/main" val="2446449492"/>
+      </p:ext>
+    </p:extLst>
+  </p:cSld>
+  <p:clrMapOvr>
+    <a:masterClrMapping/>
+  </p:clrMapOvr>
+  <p:timing>
+    <p:tnLst>
+      <p:par>
+        <p:cTn id="1" dur="indefinite" restart="never" nodeType="tmRoot"/>
+      </p:par>
+    </p:tnLst>
+  </p:timing>
+</p:sld>
+</file>
+
+<file path=ppt/slides/slide6.xml><?xml version="1.0" encoding="utf-8"?>
+<p:sld xmlns:a="http://schemas.openxmlformats.org/drawingml/2006/main" xmlns:r="http://schemas.openxmlformats.org/officeDocument/2006/relationships" xmlns:p="http://schemas.openxmlformats.org/presentationml/2006/main">
+  <p:cSld>
+    <p:spTree>
+      <p:nvGrpSpPr>
+        <p:cNvPr id="1" name=""/>
+        <p:cNvGrpSpPr/>
+        <p:nvPr/>
+      </p:nvGrpSpPr>
+      <p:grpSpPr>
+        <a:xfrm>
+          <a:off x="0" y="0"/>
+          <a:ext cx="0" cy="0"/>
+          <a:chOff x="0" y="0"/>
+          <a:chExt cx="0" cy="0"/>
+        </a:xfrm>
+      </p:grpSpPr>
+      <p:sp>
+        <p:nvSpPr>
+          <p:cNvPr id="2" name="Title 1"/>
+          <p:cNvSpPr>
+            <a:spLocks noGrp="1"/>
+          </p:cNvSpPr>
+          <p:nvPr>
+            <p:ph type="title"/>
+          </p:nvPr>
+        </p:nvSpPr>
+        <p:spPr/>
+        <p:txBody>
           <a:bodyPr/>
           <a:lstStyle/>
           <a:p>
@@ -10365,7 +11300,7 @@
 </p:sld>
 </file>
 
-<file path=ppt/slides/slide6.xml><?xml version="1.0" encoding="utf-8"?>
+<file path=ppt/slides/slide7.xml><?xml version="1.0" encoding="utf-8"?>
 <p:sld xmlns:a="http://schemas.openxmlformats.org/drawingml/2006/main" xmlns:r="http://schemas.openxmlformats.org/officeDocument/2006/relationships" xmlns:p="http://schemas.openxmlformats.org/presentationml/2006/main">
   <p:cSld>
     <p:spTree>
@@ -10396,7 +11331,7 @@
           <a:blip r:embed="rId3">
             <a:extLst>
               <a:ext uri="{28A0092B-C50C-407E-A947-70E740481C1C}">
-                <a14:useLocalDpi xmlns:a14="http://schemas.microsoft.com/office/drawing/2010/main" xmlns="" val="0"/>
+                <a14:useLocalDpi xmlns="" xmlns:a14="http://schemas.microsoft.com/office/drawing/2010/main" val="0"/>
               </a:ext>
             </a:extLst>
           </a:blip>
@@ -10429,7 +11364,7 @@
             <a:fld id="{B6F15528-21DE-4FAA-801E-634DDDAF4B2B}" type="slidenum">
               <a:rPr lang="en-US" smtClean="0"/>
               <a:pPr/>
-              <a:t>6</a:t>
+              <a:t>7</a:t>
             </a:fld>
             <a:endParaRPr lang="en-US"/>
           </a:p>
@@ -10539,7 +11474,7 @@
     </p:spTree>
     <p:extLst>
       <p:ext uri="{BB962C8B-B14F-4D97-AF65-F5344CB8AC3E}">
-        <p14:creationId xmlns:p14="http://schemas.microsoft.com/office/powerpoint/2010/main" xmlns="" val="2736865171"/>
+        <p14:creationId xmlns="" xmlns:p14="http://schemas.microsoft.com/office/powerpoint/2010/main" val="2736865171"/>
       </p:ext>
     </p:extLst>
   </p:cSld>
@@ -10556,7 +11491,7 @@
 </p:sld>
 </file>
 
-<file path=ppt/slides/slide7.xml><?xml version="1.0" encoding="utf-8"?>
+<file path=ppt/slides/slide8.xml><?xml version="1.0" encoding="utf-8"?>
 <p:sld xmlns:a="http://schemas.openxmlformats.org/drawingml/2006/main" xmlns:r="http://schemas.openxmlformats.org/officeDocument/2006/relationships" xmlns:p="http://schemas.openxmlformats.org/presentationml/2006/main">
   <p:cSld>
     <p:spTree>
@@ -10614,7 +11549,7 @@
             <a:fld id="{B6F15528-21DE-4FAA-801E-634DDDAF4B2B}" type="slidenum">
               <a:rPr lang="en-US" smtClean="0"/>
               <a:pPr/>
-              <a:t>7</a:t>
+              <a:t>8</a:t>
             </a:fld>
             <a:endParaRPr lang="en-US"/>
           </a:p>
@@ -10724,7 +11659,7 @@
     </p:spTree>
     <p:extLst>
       <p:ext uri="{BB962C8B-B14F-4D97-AF65-F5344CB8AC3E}">
-        <p14:creationId xmlns:p14="http://schemas.microsoft.com/office/powerpoint/2010/main" xmlns="" val="2736865171"/>
+        <p14:creationId xmlns="" xmlns:p14="http://schemas.microsoft.com/office/powerpoint/2010/main" val="2736865171"/>
       </p:ext>
     </p:extLst>
   </p:cSld>
@@ -10738,130 +11673,6 @@
       </p:par>
     </p:tnLst>
   </p:timing>
-</p:sld>
-</file>
-
-<file path=ppt/slides/slide8.xml><?xml version="1.0" encoding="utf-8"?>
-<p:sld xmlns:a="http://schemas.openxmlformats.org/drawingml/2006/main" xmlns:r="http://schemas.openxmlformats.org/officeDocument/2006/relationships" xmlns:p="http://schemas.openxmlformats.org/presentationml/2006/main">
-  <p:cSld>
-    <p:spTree>
-      <p:nvGrpSpPr>
-        <p:cNvPr id="1" name=""/>
-        <p:cNvGrpSpPr/>
-        <p:nvPr/>
-      </p:nvGrpSpPr>
-      <p:grpSpPr>
-        <a:xfrm>
-          <a:off x="0" y="0"/>
-          <a:ext cx="0" cy="0"/>
-          <a:chOff x="0" y="0"/>
-          <a:chExt cx="0" cy="0"/>
-        </a:xfrm>
-      </p:grpSpPr>
-      <p:sp>
-        <p:nvSpPr>
-          <p:cNvPr id="2" name="Title 1"/>
-          <p:cNvSpPr>
-            <a:spLocks noGrp="1"/>
-          </p:cNvSpPr>
-          <p:nvPr>
-            <p:ph type="title"/>
-          </p:nvPr>
-        </p:nvSpPr>
-        <p:spPr/>
-        <p:txBody>
-          <a:bodyPr>
-            <a:normAutofit fontScale="90000"/>
-          </a:bodyPr>
-          <a:lstStyle/>
-          <a:p>
-            <a:r>
-              <a:rPr lang="en-US" dirty="0" smtClean="0"/>
-              <a:t>HTML  </a:t>
-            </a:r>
-            <a:r>
-              <a:rPr lang="en-US" b="1" dirty="0" smtClean="0">
-                <a:solidFill>
-                  <a:srgbClr val="FF0000"/>
-                </a:solidFill>
-              </a:rPr>
-              <a:t>H</a:t>
-            </a:r>
-            <a:r>
-              <a:rPr lang="en-US" dirty="0" smtClean="0"/>
-              <a:t>yper </a:t>
-            </a:r>
-            <a:r>
-              <a:rPr lang="en-US" b="1" dirty="0" smtClean="0">
-                <a:solidFill>
-                  <a:srgbClr val="FF0000"/>
-                </a:solidFill>
-              </a:rPr>
-              <a:t>T</a:t>
-            </a:r>
-            <a:r>
-              <a:rPr lang="en-US" dirty="0" smtClean="0"/>
-              <a:t>ext </a:t>
-            </a:r>
-            <a:r>
-              <a:rPr lang="en-US" b="1" dirty="0" smtClean="0">
-                <a:solidFill>
-                  <a:srgbClr val="FF0000"/>
-                </a:solidFill>
-              </a:rPr>
-              <a:t>M</a:t>
-            </a:r>
-            <a:r>
-              <a:rPr lang="en-US" dirty="0" smtClean="0"/>
-              <a:t>arkup </a:t>
-            </a:r>
-            <a:r>
-              <a:rPr lang="en-US" b="1" dirty="0" smtClean="0">
-                <a:solidFill>
-                  <a:srgbClr val="FF0000"/>
-                </a:solidFill>
-              </a:rPr>
-              <a:t>L</a:t>
-            </a:r>
-            <a:r>
-              <a:rPr lang="en-US" dirty="0" smtClean="0"/>
-              <a:t>anguage</a:t>
-            </a:r>
-            <a:br>
-              <a:rPr lang="en-US" dirty="0" smtClean="0"/>
-            </a:br>
-            <a:endParaRPr lang="ar-EG" dirty="0"/>
-          </a:p>
-        </p:txBody>
-      </p:sp>
-      <p:pic>
-        <p:nvPicPr>
-          <p:cNvPr id="4" name="Content Placeholder 3" descr="HTML.jpg"/>
-          <p:cNvPicPr>
-            <a:picLocks noGrp="1" noChangeAspect="1"/>
-          </p:cNvPicPr>
-          <p:nvPr>
-            <p:ph idx="1"/>
-          </p:nvPr>
-        </p:nvPicPr>
-        <p:blipFill>
-          <a:blip r:embed="rId2"/>
-          <a:stretch>
-            <a:fillRect/>
-          </a:stretch>
-        </p:blipFill>
-        <p:spPr>
-          <a:xfrm>
-            <a:off x="1828800" y="1828800"/>
-            <a:ext cx="5943600" cy="4480917"/>
-          </a:xfrm>
-        </p:spPr>
-      </p:pic>
-    </p:spTree>
-  </p:cSld>
-  <p:clrMapOvr>
-    <a:masterClrMapping/>
-  </p:clrMapOvr>
 </p:sld>
 </file>
 
@@ -10900,11 +11711,11 @@
           <a:lstStyle/>
           <a:p>
             <a:r>
-              <a:rPr lang="en-US" dirty="0"/>
+              <a:rPr lang="en-US" dirty="0" smtClean="0"/>
               <a:t>HTML  </a:t>
             </a:r>
             <a:r>
-              <a:rPr lang="en-US" b="1" dirty="0">
+              <a:rPr lang="en-US" b="1" dirty="0" smtClean="0">
                 <a:solidFill>
                   <a:srgbClr val="FF0000"/>
                 </a:solidFill>
@@ -10912,11 +11723,11 @@
               <a:t>H</a:t>
             </a:r>
             <a:r>
-              <a:rPr lang="en-US" dirty="0"/>
+              <a:rPr lang="en-US" dirty="0" smtClean="0"/>
               <a:t>yper </a:t>
             </a:r>
             <a:r>
-              <a:rPr lang="en-US" b="1" dirty="0">
+              <a:rPr lang="en-US" b="1" dirty="0" smtClean="0">
                 <a:solidFill>
                   <a:srgbClr val="FF0000"/>
                 </a:solidFill>
@@ -10924,11 +11735,11 @@
               <a:t>T</a:t>
             </a:r>
             <a:r>
-              <a:rPr lang="en-US" dirty="0"/>
+              <a:rPr lang="en-US" dirty="0" smtClean="0"/>
               <a:t>ext </a:t>
             </a:r>
             <a:r>
-              <a:rPr lang="en-US" b="1" dirty="0">
+              <a:rPr lang="en-US" b="1" dirty="0" smtClean="0">
                 <a:solidFill>
                   <a:srgbClr val="FF0000"/>
                 </a:solidFill>
@@ -10936,11 +11747,11 @@
               <a:t>M</a:t>
             </a:r>
             <a:r>
-              <a:rPr lang="en-US" dirty="0"/>
+              <a:rPr lang="en-US" dirty="0" smtClean="0"/>
               <a:t>arkup </a:t>
             </a:r>
             <a:r>
-              <a:rPr lang="en-US" b="1" dirty="0">
+              <a:rPr lang="en-US" b="1" dirty="0" smtClean="0">
                 <a:solidFill>
                   <a:srgbClr val="FF0000"/>
                 </a:solidFill>
@@ -10948,214 +11759,44 @@
               <a:t>L</a:t>
             </a:r>
             <a:r>
-              <a:rPr lang="en-US" dirty="0"/>
+              <a:rPr lang="en-US" dirty="0" smtClean="0"/>
               <a:t>anguage</a:t>
             </a:r>
             <a:br>
-              <a:rPr lang="en-US" dirty="0"/>
+              <a:rPr lang="en-US" dirty="0" smtClean="0"/>
             </a:br>
             <a:endParaRPr lang="ar-EG" dirty="0"/>
           </a:p>
         </p:txBody>
       </p:sp>
-      <p:sp>
-        <p:nvSpPr>
-          <p:cNvPr id="3" name="Content Placeholder 2"/>
-          <p:cNvSpPr>
-            <a:spLocks noGrp="1"/>
-          </p:cNvSpPr>
+      <p:pic>
+        <p:nvPicPr>
+          <p:cNvPr id="4" name="Content Placeholder 3" descr="HTML.jpg"/>
+          <p:cNvPicPr>
+            <a:picLocks noGrp="1" noChangeAspect="1"/>
+          </p:cNvPicPr>
           <p:nvPr>
             <p:ph idx="1"/>
           </p:nvPr>
-        </p:nvSpPr>
-        <p:spPr/>
-        <p:txBody>
-          <a:bodyPr>
-            <a:normAutofit fontScale="92500" lnSpcReduction="10000"/>
-          </a:bodyPr>
-          <a:lstStyle/>
-          <a:p>
-            <a:r>
-              <a:rPr lang="en-US" b="1" dirty="0">
-                <a:solidFill>
-                  <a:srgbClr val="FF0000"/>
-                </a:solidFill>
-              </a:rPr>
-              <a:t>What is HTML?</a:t>
-            </a:r>
-          </a:p>
-          <a:p>
-            <a:r>
-              <a:rPr lang="en-US" dirty="0"/>
-              <a:t>HTML is a language for describing web pages.</a:t>
-            </a:r>
-          </a:p>
-          <a:p>
-            <a:r>
-              <a:rPr lang="en-US" dirty="0"/>
-              <a:t>HTML stands for </a:t>
-            </a:r>
-            <a:r>
-              <a:rPr lang="en-US" b="1" dirty="0"/>
-              <a:t>H</a:t>
-            </a:r>
-            <a:r>
-              <a:rPr lang="en-US" dirty="0"/>
-              <a:t>yper </a:t>
-            </a:r>
-            <a:r>
-              <a:rPr lang="en-US" b="1" dirty="0"/>
-              <a:t>T</a:t>
-            </a:r>
-            <a:r>
-              <a:rPr lang="en-US" dirty="0"/>
-              <a:t>ext </a:t>
-            </a:r>
-            <a:r>
-              <a:rPr lang="en-US" b="1" dirty="0"/>
-              <a:t>M</a:t>
-            </a:r>
-            <a:r>
-              <a:rPr lang="en-US" dirty="0"/>
-              <a:t>arkup </a:t>
-            </a:r>
-            <a:r>
-              <a:rPr lang="en-US" b="1" dirty="0"/>
-              <a:t>L</a:t>
-            </a:r>
-            <a:r>
-              <a:rPr lang="en-US" dirty="0"/>
-              <a:t>anguage</a:t>
-            </a:r>
-          </a:p>
-          <a:p>
-            <a:r>
-              <a:rPr lang="en-US" dirty="0"/>
-              <a:t>HTML is a </a:t>
-            </a:r>
-            <a:r>
-              <a:rPr lang="en-US" b="1" dirty="0"/>
-              <a:t>markup </a:t>
-            </a:r>
-            <a:r>
-              <a:rPr lang="en-US" dirty="0"/>
-              <a:t>language</a:t>
-            </a:r>
-          </a:p>
-          <a:p>
-            <a:r>
-              <a:rPr lang="en-US" dirty="0"/>
-              <a:t>A markup language is a set of markup</a:t>
-            </a:r>
-            <a:r>
-              <a:rPr lang="en-US" b="1" dirty="0"/>
-              <a:t> tags</a:t>
-            </a:r>
-            <a:endParaRPr lang="en-US" dirty="0"/>
-          </a:p>
-          <a:p>
-            <a:r>
-              <a:rPr lang="en-US" dirty="0"/>
-              <a:t>The tags </a:t>
-            </a:r>
-            <a:r>
-              <a:rPr lang="en-US" b="1" dirty="0"/>
-              <a:t>describe</a:t>
-            </a:r>
-            <a:r>
-              <a:rPr lang="en-US" dirty="0"/>
-              <a:t> document content</a:t>
-            </a:r>
-          </a:p>
-          <a:p>
-            <a:r>
-              <a:rPr lang="en-US" dirty="0"/>
-              <a:t>HTML documents contain</a:t>
-            </a:r>
-            <a:r>
-              <a:rPr lang="en-US" b="1" dirty="0"/>
-              <a:t> </a:t>
-            </a:r>
-            <a:r>
-              <a:rPr lang="en-US" dirty="0"/>
-              <a:t>HTML</a:t>
-            </a:r>
-            <a:r>
-              <a:rPr lang="en-US" b="1" dirty="0"/>
-              <a:t> tags</a:t>
-            </a:r>
-            <a:r>
-              <a:rPr lang="en-US" dirty="0"/>
-              <a:t> and </a:t>
-            </a:r>
-            <a:r>
-              <a:rPr lang="en-US" b="1" dirty="0"/>
-              <a:t>plain</a:t>
-            </a:r>
-            <a:r>
-              <a:rPr lang="en-US" dirty="0"/>
-              <a:t> </a:t>
-            </a:r>
-            <a:r>
-              <a:rPr lang="en-US" b="1" dirty="0"/>
-              <a:t>text</a:t>
-            </a:r>
-            <a:endParaRPr lang="en-US" dirty="0"/>
-          </a:p>
-          <a:p>
-            <a:r>
-              <a:rPr lang="en-US" dirty="0"/>
-              <a:t>HTML documents are also called</a:t>
-            </a:r>
-            <a:r>
-              <a:rPr lang="en-US" b="1" dirty="0"/>
-              <a:t> web pages</a:t>
-            </a:r>
-            <a:endParaRPr lang="en-US" dirty="0"/>
-          </a:p>
-        </p:txBody>
-      </p:sp>
-      <p:sp>
-        <p:nvSpPr>
-          <p:cNvPr id="4" name="Slide Number Placeholder 3"/>
-          <p:cNvSpPr>
-            <a:spLocks noGrp="1"/>
-          </p:cNvSpPr>
-          <p:nvPr>
-            <p:ph type="sldNum" sz="quarter" idx="12"/>
-          </p:nvPr>
-        </p:nvSpPr>
-        <p:spPr/>
-        <p:txBody>
-          <a:bodyPr/>
-          <a:lstStyle/>
-          <a:p>
-            <a:fld id="{B6F15528-21DE-4FAA-801E-634DDDAF4B2B}" type="slidenum">
-              <a:rPr lang="en-US" smtClean="0"/>
-              <a:pPr/>
-              <a:t>9</a:t>
-            </a:fld>
-            <a:endParaRPr lang="en-US"/>
-          </a:p>
-        </p:txBody>
-      </p:sp>
+        </p:nvPicPr>
+        <p:blipFill>
+          <a:blip r:embed="rId2"/>
+          <a:stretch>
+            <a:fillRect/>
+          </a:stretch>
+        </p:blipFill>
+        <p:spPr>
+          <a:xfrm>
+            <a:off x="1828800" y="1828800"/>
+            <a:ext cx="5943600" cy="4480917"/>
+          </a:xfrm>
+        </p:spPr>
+      </p:pic>
     </p:spTree>
-    <p:extLst>
-      <p:ext uri="{BB962C8B-B14F-4D97-AF65-F5344CB8AC3E}">
-        <p14:creationId xmlns:p14="http://schemas.microsoft.com/office/powerpoint/2010/main" xmlns="" val="2323770195"/>
-      </p:ext>
-    </p:extLst>
   </p:cSld>
   <p:clrMapOvr>
     <a:masterClrMapping/>
   </p:clrMapOvr>
-  <p:timing>
-    <p:tnLst>
-      <p:par>
-        <p:cTn id="1" dur="indefinite" restart="never" nodeType="tmRoot"/>
-      </p:par>
-    </p:tnLst>
-  </p:timing>
 </p:sld>
 </file>
 
